--- a/Solicitação ComprasServicos.pptx
+++ b/Solicitação ComprasServicos.pptx
@@ -3072,7 +3072,7 @@
             <a:fld id="{6FD22E44-98EB-41F2-A5A3-DC9366D96C52}" type="datetimeFigureOut">
               <a:rPr lang="pt-BR" smtClean="0"/>
               <a:pPr/>
-              <a:t>11/03/2021</a:t>
+              <a:t>24/03/2021</a:t>
             </a:fld>
             <a:endParaRPr lang="pt-BR"/>
           </a:p>
@@ -3238,7 +3238,7 @@
           <a:p>
             <a:fld id="{515D20E7-273D-4BCD-A33C-33C20D53B536}" type="datetimeFigureOut">
               <a:rPr lang="pt-BR" smtClean="0"/>
-              <a:t>11/03/2021</a:t>
+              <a:t>24/03/2021</a:t>
             </a:fld>
             <a:endParaRPr lang="pt-BR"/>
           </a:p>
@@ -5426,7 +5426,7 @@
             <a:fld id="{4E492E1F-AD23-4954-8C0A-1311CECCDDB9}" type="datetimeFigureOut">
               <a:rPr lang="pt-BR" smtClean="0"/>
               <a:pPr/>
-              <a:t>11/03/2021</a:t>
+              <a:t>24/03/2021</a:t>
             </a:fld>
             <a:endParaRPr lang="pt-BR"/>
           </a:p>
@@ -5865,7 +5865,7 @@
         <p:spPr>
           <a:xfrm>
             <a:off x="107504" y="4573577"/>
-            <a:ext cx="8928992" cy="1015663"/>
+            <a:ext cx="8928992" cy="1938992"/>
           </a:xfrm>
           <a:prstGeom prst="rect">
             <a:avLst/>
@@ -5886,7 +5886,7 @@
                 </a:solidFill>
                 <a:latin typeface="Helvetica" pitchFamily="34" charset="0"/>
               </a:rPr>
-              <a:t>Solicitação Almoxarifado</a:t>
+              <a:t>Solicitação Compras e Serviços</a:t>
             </a:r>
           </a:p>
         </p:txBody>
@@ -6185,7 +6185,7 @@
             <a:pPr algn="just"/>
             <a:r>
               <a:rPr lang="pt-BR" sz="3000" dirty="0"/>
-              <a:t>	O solicitante irá preencher o formulário do processo informando a Filial, Centro de custo, Observações e Itens que deseja solicitar,  ao final clicar em enviar para avançar o processo para que o Gestor do Centro de custo possa validar a solicitação.</a:t>
+              <a:t>	O solicitante irá preencher o formulário do processo informando a Filial, Centro de custo, Observações e Itens que deseja solicitar,  ao final clicar em enviar para avançar o processo para que o Gestor do centro de custo possa validar a solicitação.</a:t>
             </a:r>
           </a:p>
         </p:txBody>
@@ -6285,7 +6285,15 @@
             <a:pPr algn="just"/>
             <a:r>
               <a:rPr lang="pt-BR" sz="3000" dirty="0"/>
-              <a:t>	Nesta etapa o Gestor do centro de custo relacionado irá verificar a solicitação e poderá aprovar, avançando a solicitação para o Gestor da Divisão Administrativa, poderá ser cancelado ou devolver para que o solicitante efetue as correções necessárias. </a:t>
+              <a:t>	Nesta etapa o Gestor </a:t>
+            </a:r>
+            <a:r>
+              <a:rPr lang="pt-BR" sz="3000"/>
+              <a:t>do Centro de Custo </a:t>
+            </a:r>
+            <a:r>
+              <a:rPr lang="pt-BR" sz="3000" dirty="0"/>
+              <a:t>relacionado irá verificar a solicitação e poderá aprovar, avançando a solicitação para o Gestor da Divisão Administrativa, poderá ser cancelado ou devolver para que o solicitante efetue as correções necessárias. </a:t>
             </a:r>
           </a:p>
         </p:txBody>
@@ -7181,25 +7189,6 @@
 </file>
 
 <file path=customXml/item1.xml><?xml version="1.0" encoding="utf-8"?>
-<p:properties xmlns:p="http://schemas.microsoft.com/office/2006/metadata/properties" xmlns:xsi="http://www.w3.org/2001/XMLSchema-instance" xmlns:pc="http://schemas.microsoft.com/office/infopath/2007/PartnerControls">
-  <documentManagement>
-    <Objetivo xmlns="d885478b-f22d-4d19-a775-a8723dc1337f">Apresentação de Power Point com slides personalizados CNC na cor branca.</Objetivo>
-    <Assunto xmlns="45f96d23-d40b-4212-8da3-c017d2a6f7c3">Modelos de documentos - Padrões gráficos</Assunto>
-    <Procedimento xmlns="45f96d23-d40b-4212-8da3-c017d2a6f7c3" xsi:nil="true"/>
-  </documentManagement>
-</p:properties>
-</file>
-
-<file path=customXml/item2.xml><?xml version="1.0" encoding="utf-8"?>
-<?mso-contentType ?>
-<FormTemplates xmlns="http://schemas.microsoft.com/sharepoint/v3/contenttype/forms">
-  <Display>DocumentLibraryForm</Display>
-  <Edit>DocumentLibraryForm</Edit>
-  <New>DocumentLibraryForm</New>
-</FormTemplates>
-</file>
-
-<file path=customXml/item3.xml><?xml version="1.0" encoding="utf-8"?>
 <ct:contentTypeSchema xmlns:ct="http://schemas.microsoft.com/office/2006/metadata/contentType" xmlns:ma="http://schemas.microsoft.com/office/2006/metadata/properties/metaAttributes" ct:_="" ma:_="" ma:contentTypeName="Documento" ma:contentTypeID="0x010100499200897145E149B74E983814333612" ma:contentTypeVersion="4" ma:contentTypeDescription="Crie um novo documento." ma:contentTypeScope="" ma:versionID="3f3467af012b1d5993a5bb1a3a42a493">
   <xsd:schema xmlns:xsd="http://www.w3.org/2001/XMLSchema" xmlns:xs="http://www.w3.org/2001/XMLSchema" xmlns:p="http://schemas.microsoft.com/office/2006/metadata/properties" xmlns:ns2="d885478b-f22d-4d19-a775-a8723dc1337f" xmlns:ns3="45f96d23-d40b-4212-8da3-c017d2a6f7c3" targetNamespace="http://schemas.microsoft.com/office/2006/metadata/properties" ma:root="true" ma:fieldsID="b5f0560e8bb6d765e16a4fc320c2d2ed" ns2:_="" ns3:_="">
     <xsd:import namespace="d885478b-f22d-4d19-a775-a8723dc1337f"/>
@@ -7356,32 +7345,26 @@
 </ct:contentTypeSchema>
 </file>
 
-<file path=customXml/itemProps1.xml><?xml version="1.0" encoding="utf-8"?>
-<ds:datastoreItem xmlns:ds="http://schemas.openxmlformats.org/officeDocument/2006/customXml" ds:itemID="{ED2DF0E0-0EA2-48B5-9DA2-3321820A21F2}">
-  <ds:schemaRefs>
-    <ds:schemaRef ds:uri="http://purl.org/dc/dcmitype/"/>
-    <ds:schemaRef ds:uri="http://purl.org/dc/elements/1.1/"/>
-    <ds:schemaRef ds:uri="http://schemas.microsoft.com/office/2006/metadata/properties"/>
-    <ds:schemaRef ds:uri="d885478b-f22d-4d19-a775-a8723dc1337f"/>
-    <ds:schemaRef ds:uri="http://schemas.microsoft.com/office/infopath/2007/PartnerControls"/>
-    <ds:schemaRef ds:uri="http://schemas.microsoft.com/office/2006/documentManagement/types"/>
-    <ds:schemaRef ds:uri="http://purl.org/dc/terms/"/>
-    <ds:schemaRef ds:uri="http://schemas.openxmlformats.org/package/2006/metadata/core-properties"/>
-    <ds:schemaRef ds:uri="45f96d23-d40b-4212-8da3-c017d2a6f7c3"/>
-    <ds:schemaRef ds:uri="http://www.w3.org/XML/1998/namespace"/>
-  </ds:schemaRefs>
-</ds:datastoreItem>
+<file path=customXml/item2.xml><?xml version="1.0" encoding="utf-8"?>
+<?mso-contentType ?>
+<FormTemplates xmlns="http://schemas.microsoft.com/sharepoint/v3/contenttype/forms">
+  <Display>DocumentLibraryForm</Display>
+  <Edit>DocumentLibraryForm</Edit>
+  <New>DocumentLibraryForm</New>
+</FormTemplates>
 </file>
 
-<file path=customXml/itemProps2.xml><?xml version="1.0" encoding="utf-8"?>
-<ds:datastoreItem xmlns:ds="http://schemas.openxmlformats.org/officeDocument/2006/customXml" ds:itemID="{FBD8799C-CBA0-43B6-B31C-584BCF8821B4}">
-  <ds:schemaRefs>
-    <ds:schemaRef ds:uri="http://schemas.microsoft.com/sharepoint/v3/contenttype/forms"/>
-  </ds:schemaRefs>
-</ds:datastoreItem>
+<file path=customXml/item3.xml><?xml version="1.0" encoding="utf-8"?>
+<p:properties xmlns:p="http://schemas.microsoft.com/office/2006/metadata/properties" xmlns:xsi="http://www.w3.org/2001/XMLSchema-instance" xmlns:pc="http://schemas.microsoft.com/office/infopath/2007/PartnerControls">
+  <documentManagement>
+    <Objetivo xmlns="d885478b-f22d-4d19-a775-a8723dc1337f">Apresentação de Power Point com slides personalizados CNC na cor branca.</Objetivo>
+    <Assunto xmlns="45f96d23-d40b-4212-8da3-c017d2a6f7c3">Modelos de documentos - Padrões gráficos</Assunto>
+    <Procedimento xmlns="45f96d23-d40b-4212-8da3-c017d2a6f7c3" xsi:nil="true"/>
+  </documentManagement>
+</p:properties>
 </file>
 
-<file path=customXml/itemProps3.xml><?xml version="1.0" encoding="utf-8"?>
+<file path=customXml/itemProps1.xml><?xml version="1.0" encoding="utf-8"?>
 <ds:datastoreItem xmlns:ds="http://schemas.openxmlformats.org/officeDocument/2006/customXml" ds:itemID="{C6EBFFE6-03E5-4FEC-833A-ADCD223D5C7C}">
   <ds:schemaRefs>
     <ds:schemaRef ds:uri="http://schemas.microsoft.com/office/2006/metadata/contentType"/>
@@ -7398,4 +7381,29 @@
     <ds:schemaRef ds:uri="http://schemas.microsoft.com/internal/obd"/>
   </ds:schemaRefs>
 </ds:datastoreItem>
+</file>
+
+<file path=customXml/itemProps2.xml><?xml version="1.0" encoding="utf-8"?>
+<ds:datastoreItem xmlns:ds="http://schemas.openxmlformats.org/officeDocument/2006/customXml" ds:itemID="{FBD8799C-CBA0-43B6-B31C-584BCF8821B4}">
+  <ds:schemaRefs>
+    <ds:schemaRef ds:uri="http://schemas.microsoft.com/sharepoint/v3/contenttype/forms"/>
+  </ds:schemaRefs>
+</ds:datastoreItem>
+</file>
+
+<file path=customXml/itemProps3.xml><?xml version="1.0" encoding="utf-8"?>
+<ds:datastoreItem xmlns:ds="http://schemas.openxmlformats.org/officeDocument/2006/customXml" ds:itemID="{ED2DF0E0-0EA2-48B5-9DA2-3321820A21F2}">
+  <ds:schemaRefs>
+    <ds:schemaRef ds:uri="http://purl.org/dc/dcmitype/"/>
+    <ds:schemaRef ds:uri="http://purl.org/dc/elements/1.1/"/>
+    <ds:schemaRef ds:uri="http://schemas.microsoft.com/office/2006/metadata/properties"/>
+    <ds:schemaRef ds:uri="d885478b-f22d-4d19-a775-a8723dc1337f"/>
+    <ds:schemaRef ds:uri="http://schemas.microsoft.com/office/infopath/2007/PartnerControls"/>
+    <ds:schemaRef ds:uri="http://schemas.microsoft.com/office/2006/documentManagement/types"/>
+    <ds:schemaRef ds:uri="http://purl.org/dc/terms/"/>
+    <ds:schemaRef ds:uri="http://schemas.openxmlformats.org/package/2006/metadata/core-properties"/>
+    <ds:schemaRef ds:uri="45f96d23-d40b-4212-8da3-c017d2a6f7c3"/>
+    <ds:schemaRef ds:uri="http://www.w3.org/XML/1998/namespace"/>
+  </ds:schemaRefs>
+</ds:datastoreItem>
 </file>